--- a/spring11/slides11/slides5w.pptx
+++ b/spring11/slides11/slides5w.pptx
@@ -6408,7 +6408,11 @@
             </a:r>
             <a:r>
               <a:rPr lang="en-US" dirty="0" smtClean="0"/>
-              <a:t> 8W.</a:t>
+              <a:t> 5W</a:t>
+            </a:r>
+            <a:r>
+              <a:rPr lang="en-US" dirty="0" smtClean="0"/>
+              <a:t>.</a:t>
             </a:r>
             <a:fld id="{5653AFC6-B420-2E4E-AAAC-D734658728B4}" type="slidenum">
               <a:rPr lang="en-US" smtClean="0"/>
@@ -6512,7 +6516,11 @@
             </a:r>
             <a:r>
               <a:rPr lang="en-US" dirty="0" smtClean="0"/>
-              <a:t> 8W.</a:t>
+              <a:t> 5W</a:t>
+            </a:r>
+            <a:r>
+              <a:rPr lang="en-US" dirty="0" smtClean="0"/>
+              <a:t>.</a:t>
             </a:r>
             <a:fld id="{5653AFC6-B420-2E4E-AAAC-D734658728B4}" type="slidenum">
               <a:rPr lang="en-US" smtClean="0"/>
@@ -6585,7 +6593,11 @@
             </a:r>
             <a:r>
               <a:rPr lang="en-US" dirty="0" smtClean="0"/>
-              <a:t> 8W.</a:t>
+              <a:t> 5W</a:t>
+            </a:r>
+            <a:r>
+              <a:rPr lang="en-US" dirty="0" smtClean="0"/>
+              <a:t>.</a:t>
             </a:r>
             <a:fld id="{5653AFC6-B420-2E4E-AAAC-D734658728B4}" type="slidenum">
               <a:rPr lang="en-US" smtClean="0"/>
@@ -6818,7 +6830,22 @@
                 <a:uFillTx/>
                 <a:latin typeface="Comic Sans MS" pitchFamily="66" charset="0"/>
               </a:rPr>
-              <a:t>Albert R Meyer,        March 31, 2010</a:t>
+              <a:t>Albert R Meyer,        March</a:t>
+            </a:r>
+            <a:r>
+              <a:rPr kumimoji="0" lang="en-US" sz="1200" b="0" i="0" u="none" strike="noStrike" kern="1200" cap="none" spc="0" normalizeH="0" baseline="0" noProof="0" dirty="0" smtClean="0">
+                <a:ln>
+                  <a:noFill/>
+                </a:ln>
+                <a:solidFill>
+                  <a:schemeClr val="tx1"/>
+                </a:solidFill>
+                <a:effectLst/>
+                <a:uLnTx/>
+                <a:uFillTx/>
+                <a:latin typeface="Comic Sans MS" pitchFamily="66" charset="0"/>
+              </a:rPr>
+              <a:t> 2, 2011</a:t>
             </a:r>
             <a:endParaRPr kumimoji="0" lang="en-US" sz="1200" b="0" i="0" u="none" strike="noStrike" kern="1200" cap="none" spc="0" normalizeH="0" baseline="0" noProof="0" dirty="0">
               <a:ln>
@@ -6896,7 +6923,11 @@
             </a:r>
             <a:r>
               <a:rPr lang="en-US" dirty="0" smtClean="0"/>
-              <a:t> 8W.</a:t>
+              <a:t> 5W</a:t>
+            </a:r>
+            <a:r>
+              <a:rPr lang="en-US" dirty="0" smtClean="0"/>
+              <a:t>.</a:t>
             </a:r>
             <a:fld id="{5653AFC6-B420-2E4E-AAAC-D734658728B4}" type="slidenum">
               <a:rPr lang="en-US" smtClean="0"/>
@@ -7465,7 +7496,7 @@
         </p:nvSpPr>
         <p:spPr>
           <a:xfrm>
-            <a:off x="6934200" y="6569075"/>
+            <a:off x="7010400" y="6477000"/>
             <a:ext cx="2133600" cy="365125"/>
           </a:xfrm>
         </p:spPr>
@@ -7474,8 +7505,12 @@
           <a:lstStyle/>
           <a:p>
             <a:r>
+              <a:rPr lang="en-US" dirty="0" err="1" smtClean="0"/>
+              <a:t>lec</a:t>
+            </a:r>
+            <a:r>
               <a:rPr lang="en-US" dirty="0" smtClean="0"/>
-              <a:t>8W.</a:t>
+              <a:t> 5W.</a:t>
             </a:r>
             <a:fld id="{5653AFC6-B420-2E4E-AAAC-D734658728B4}" type="slidenum">
               <a:rPr lang="en-US" smtClean="0"/>
@@ -7862,8 +7897,12 @@
           <a:lstStyle/>
           <a:p>
             <a:r>
+              <a:rPr lang="en-US" dirty="0" err="1" smtClean="0"/>
+              <a:t>lec</a:t>
+            </a:r>
+            <a:r>
               <a:rPr lang="en-US" dirty="0" smtClean="0"/>
-              <a:t>8W.</a:t>
+              <a:t> 5W.</a:t>
             </a:r>
             <a:fld id="{5653AFC6-B420-2E4E-AAAC-D734658728B4}" type="slidenum">
               <a:rPr lang="en-US" smtClean="0"/>
@@ -8431,8 +8470,12 @@
           <a:lstStyle/>
           <a:p>
             <a:r>
+              <a:rPr lang="en-US" dirty="0" err="1" smtClean="0"/>
+              <a:t>lec</a:t>
+            </a:r>
+            <a:r>
               <a:rPr lang="en-US" dirty="0" smtClean="0"/>
-              <a:t>8W.</a:t>
+              <a:t> 5W.</a:t>
             </a:r>
             <a:fld id="{5653AFC6-B420-2E4E-AAAC-D734658728B4}" type="slidenum">
               <a:rPr lang="en-US" smtClean="0"/>
@@ -9222,8 +9265,12 @@
           <a:lstStyle/>
           <a:p>
             <a:r>
+              <a:rPr lang="en-US" dirty="0" err="1" smtClean="0"/>
+              <a:t>lec</a:t>
+            </a:r>
+            <a:r>
               <a:rPr lang="en-US" dirty="0" smtClean="0"/>
-              <a:t>8W.</a:t>
+              <a:t> 5W.</a:t>
             </a:r>
             <a:fld id="{5653AFC6-B420-2E4E-AAAC-D734658728B4}" type="slidenum">
               <a:rPr lang="en-US" smtClean="0"/>
@@ -10186,8 +10233,12 @@
           <a:lstStyle/>
           <a:p>
             <a:r>
+              <a:rPr lang="en-US" dirty="0" err="1" smtClean="0"/>
+              <a:t>lec</a:t>
+            </a:r>
+            <a:r>
               <a:rPr lang="en-US" dirty="0" smtClean="0"/>
-              <a:t>8W.</a:t>
+              <a:t> 5W.</a:t>
             </a:r>
             <a:fld id="{5653AFC6-B420-2E4E-AAAC-D734658728B4}" type="slidenum">
               <a:rPr lang="en-US" smtClean="0"/>
@@ -10764,8 +10815,12 @@
           <a:lstStyle/>
           <a:p>
             <a:r>
+              <a:rPr lang="en-US" dirty="0" err="1" smtClean="0"/>
+              <a:t>lec</a:t>
+            </a:r>
+            <a:r>
               <a:rPr lang="en-US" dirty="0" smtClean="0"/>
-              <a:t>8W.</a:t>
+              <a:t> 5W.</a:t>
             </a:r>
             <a:fld id="{5653AFC6-B420-2E4E-AAAC-D734658728B4}" type="slidenum">
               <a:rPr lang="en-US" smtClean="0"/>
@@ -11398,8 +11453,12 @@
           <a:lstStyle/>
           <a:p>
             <a:r>
+              <a:rPr lang="en-US" dirty="0" err="1" smtClean="0"/>
+              <a:t>lec</a:t>
+            </a:r>
+            <a:r>
               <a:rPr lang="en-US" dirty="0" smtClean="0"/>
-              <a:t>8W.</a:t>
+              <a:t> 5W.</a:t>
             </a:r>
             <a:fld id="{5653AFC6-B420-2E4E-AAAC-D734658728B4}" type="slidenum">
               <a:rPr lang="en-US" smtClean="0"/>
@@ -11880,8 +11939,12 @@
           <a:lstStyle/>
           <a:p>
             <a:r>
+              <a:rPr lang="en-US" dirty="0" err="1" smtClean="0"/>
+              <a:t>lec</a:t>
+            </a:r>
+            <a:r>
               <a:rPr lang="en-US" dirty="0" smtClean="0"/>
-              <a:t>8W.</a:t>
+              <a:t> 5W.</a:t>
             </a:r>
             <a:fld id="{5653AFC6-B420-2E4E-AAAC-D734658728B4}" type="slidenum">
               <a:rPr lang="en-US" smtClean="0"/>
@@ -12578,8 +12641,12 @@
           <a:lstStyle/>
           <a:p>
             <a:r>
+              <a:rPr lang="en-US" dirty="0" err="1" smtClean="0"/>
+              <a:t>lec</a:t>
+            </a:r>
+            <a:r>
               <a:rPr lang="en-US" dirty="0" smtClean="0"/>
-              <a:t>8W.</a:t>
+              <a:t> 5W.</a:t>
             </a:r>
             <a:fld id="{5653AFC6-B420-2E4E-AAAC-D734658728B4}" type="slidenum">
               <a:rPr lang="en-US" smtClean="0"/>
@@ -13211,8 +13278,12 @@
           <a:lstStyle/>
           <a:p>
             <a:r>
+              <a:rPr lang="en-US" dirty="0" err="1" smtClean="0"/>
+              <a:t>lec</a:t>
+            </a:r>
+            <a:r>
               <a:rPr lang="en-US" dirty="0" smtClean="0"/>
-              <a:t>8W.</a:t>
+              <a:t> 5W.</a:t>
             </a:r>
             <a:fld id="{5653AFC6-B420-2E4E-AAAC-D734658728B4}" type="slidenum">
               <a:rPr lang="en-US" smtClean="0"/>
@@ -13868,8 +13939,12 @@
           <a:lstStyle/>
           <a:p>
             <a:r>
+              <a:rPr lang="en-US" dirty="0" err="1" smtClean="0"/>
+              <a:t>lec</a:t>
+            </a:r>
+            <a:r>
               <a:rPr lang="en-US" dirty="0" smtClean="0"/>
-              <a:t>8W.</a:t>
+              <a:t> 5W.</a:t>
             </a:r>
             <a:fld id="{5653AFC6-B420-2E4E-AAAC-D734658728B4}" type="slidenum">
               <a:rPr lang="en-US" smtClean="0"/>
@@ -14624,8 +14699,12 @@
           <a:lstStyle/>
           <a:p>
             <a:r>
+              <a:rPr lang="en-US" dirty="0" err="1" smtClean="0"/>
+              <a:t>lec</a:t>
+            </a:r>
+            <a:r>
               <a:rPr lang="en-US" dirty="0" smtClean="0"/>
-              <a:t>8W.</a:t>
+              <a:t> 5W.</a:t>
             </a:r>
             <a:fld id="{5653AFC6-B420-2E4E-AAAC-D734658728B4}" type="slidenum">
               <a:rPr lang="en-US" smtClean="0"/>
@@ -15721,7 +15800,7 @@
         </p:nvSpPr>
         <p:spPr>
           <a:xfrm>
-            <a:off x="6553200" y="6356350"/>
+            <a:off x="7010400" y="6477000"/>
             <a:ext cx="2133600" cy="365125"/>
           </a:xfrm>
         </p:spPr>
@@ -15730,8 +15809,12 @@
           <a:lstStyle/>
           <a:p>
             <a:r>
+              <a:rPr lang="en-US" dirty="0" err="1" smtClean="0"/>
+              <a:t>lec</a:t>
+            </a:r>
+            <a:r>
               <a:rPr lang="en-US" dirty="0" smtClean="0"/>
-              <a:t>8W.</a:t>
+              <a:t> 5W.</a:t>
             </a:r>
             <a:fld id="{5653AFC6-B420-2E4E-AAAC-D734658728B4}" type="slidenum">
               <a:rPr lang="en-US" smtClean="0"/>
@@ -16539,8 +16622,12 @@
           <a:lstStyle/>
           <a:p>
             <a:r>
+              <a:rPr lang="en-US" dirty="0" err="1" smtClean="0"/>
+              <a:t>lec</a:t>
+            </a:r>
+            <a:r>
               <a:rPr lang="en-US" dirty="0" smtClean="0"/>
-              <a:t>8W.</a:t>
+              <a:t> 5W.</a:t>
             </a:r>
             <a:fld id="{5653AFC6-B420-2E4E-AAAC-D734658728B4}" type="slidenum">
               <a:rPr lang="en-US" smtClean="0"/>
@@ -17110,8 +17197,12 @@
           <a:lstStyle/>
           <a:p>
             <a:r>
+              <a:rPr lang="en-US" dirty="0" err="1" smtClean="0"/>
+              <a:t>lec</a:t>
+            </a:r>
+            <a:r>
               <a:rPr lang="en-US" dirty="0" smtClean="0"/>
-              <a:t>8W.</a:t>
+              <a:t> 5W.</a:t>
             </a:r>
             <a:fld id="{5653AFC6-B420-2E4E-AAAC-D734658728B4}" type="slidenum">
               <a:rPr lang="en-US" smtClean="0"/>
@@ -17513,8 +17604,12 @@
           <a:lstStyle/>
           <a:p>
             <a:r>
+              <a:rPr lang="en-US" dirty="0" err="1" smtClean="0"/>
+              <a:t>lec</a:t>
+            </a:r>
+            <a:r>
               <a:rPr lang="en-US" dirty="0" smtClean="0"/>
-              <a:t>8W.</a:t>
+              <a:t> 5W.</a:t>
             </a:r>
             <a:fld id="{5653AFC6-B420-2E4E-AAAC-D734658728B4}" type="slidenum">
               <a:rPr lang="en-US" smtClean="0"/>
@@ -18245,8 +18340,12 @@
           <a:lstStyle/>
           <a:p>
             <a:r>
+              <a:rPr lang="en-US" dirty="0" err="1" smtClean="0"/>
+              <a:t>lec</a:t>
+            </a:r>
+            <a:r>
               <a:rPr lang="en-US" dirty="0" smtClean="0"/>
-              <a:t>8W.</a:t>
+              <a:t> 5W.</a:t>
             </a:r>
             <a:fld id="{5653AFC6-B420-2E4E-AAAC-D734658728B4}" type="slidenum">
               <a:rPr lang="en-US" smtClean="0"/>
@@ -19007,8 +19106,12 @@
           <a:lstStyle/>
           <a:p>
             <a:r>
+              <a:rPr lang="en-US" dirty="0" err="1" smtClean="0"/>
+              <a:t>lec</a:t>
+            </a:r>
+            <a:r>
               <a:rPr lang="en-US" dirty="0" smtClean="0"/>
-              <a:t>8W.</a:t>
+              <a:t> 5W.</a:t>
             </a:r>
             <a:fld id="{5653AFC6-B420-2E4E-AAAC-D734658728B4}" type="slidenum">
               <a:rPr lang="en-US" smtClean="0"/>
@@ -19757,8 +19860,12 @@
           <a:lstStyle/>
           <a:p>
             <a:r>
+              <a:rPr lang="en-US" dirty="0" err="1" smtClean="0"/>
+              <a:t>lec</a:t>
+            </a:r>
+            <a:r>
               <a:rPr lang="en-US" dirty="0" smtClean="0"/>
-              <a:t>8W.</a:t>
+              <a:t> 5W.</a:t>
             </a:r>
             <a:fld id="{5653AFC6-B420-2E4E-AAAC-D734658728B4}" type="slidenum">
               <a:rPr lang="en-US" smtClean="0"/>
@@ -20226,8 +20333,12 @@
           <a:lstStyle/>
           <a:p>
             <a:r>
+              <a:rPr lang="en-US" dirty="0" err="1" smtClean="0"/>
+              <a:t>lec</a:t>
+            </a:r>
+            <a:r>
               <a:rPr lang="en-US" dirty="0" smtClean="0"/>
-              <a:t>8W.</a:t>
+              <a:t> 5W.</a:t>
             </a:r>
             <a:fld id="{5653AFC6-B420-2E4E-AAAC-D734658728B4}" type="slidenum">
               <a:rPr lang="en-US" smtClean="0"/>
@@ -20759,8 +20870,12 @@
           <a:lstStyle/>
           <a:p>
             <a:r>
+              <a:rPr lang="en-US" dirty="0" err="1" smtClean="0"/>
+              <a:t>lec</a:t>
+            </a:r>
+            <a:r>
               <a:rPr lang="en-US" dirty="0" smtClean="0"/>
-              <a:t>8W.</a:t>
+              <a:t> 5W.</a:t>
             </a:r>
             <a:fld id="{5653AFC6-B420-2E4E-AAAC-D734658728B4}" type="slidenum">
               <a:rPr lang="en-US" smtClean="0"/>
@@ -21857,8 +21972,12 @@
           <a:lstStyle/>
           <a:p>
             <a:r>
+              <a:rPr lang="en-US" dirty="0" err="1" smtClean="0"/>
+              <a:t>lec</a:t>
+            </a:r>
+            <a:r>
               <a:rPr lang="en-US" dirty="0" smtClean="0"/>
-              <a:t>8W.</a:t>
+              <a:t> 5W.</a:t>
             </a:r>
             <a:fld id="{5653AFC6-B420-2E4E-AAAC-D734658728B4}" type="slidenum">
               <a:rPr lang="en-US" smtClean="0"/>
@@ -22618,8 +22737,12 @@
           <a:lstStyle/>
           <a:p>
             <a:r>
+              <a:rPr lang="en-US" dirty="0" err="1" smtClean="0"/>
+              <a:t>lec</a:t>
+            </a:r>
+            <a:r>
               <a:rPr lang="en-US" dirty="0" smtClean="0"/>
-              <a:t>8W.</a:t>
+              <a:t> 5W.</a:t>
             </a:r>
             <a:fld id="{5653AFC6-B420-2E4E-AAAC-D734658728B4}" type="slidenum">
               <a:rPr lang="en-US" smtClean="0"/>
@@ -23224,8 +23347,12 @@
           <a:lstStyle/>
           <a:p>
             <a:r>
+              <a:rPr lang="en-US" dirty="0" err="1" smtClean="0"/>
+              <a:t>lec</a:t>
+            </a:r>
+            <a:r>
               <a:rPr lang="en-US" dirty="0" smtClean="0"/>
-              <a:t>8W.</a:t>
+              <a:t> 5W.</a:t>
             </a:r>
             <a:fld id="{5653AFC6-B420-2E4E-AAAC-D734658728B4}" type="slidenum">
               <a:rPr lang="en-US" smtClean="0"/>
@@ -23928,8 +24055,12 @@
           <a:lstStyle/>
           <a:p>
             <a:r>
+              <a:rPr lang="en-US" dirty="0" err="1" smtClean="0"/>
+              <a:t>lec</a:t>
+            </a:r>
+            <a:r>
               <a:rPr lang="en-US" dirty="0" smtClean="0"/>
-              <a:t>8W.</a:t>
+              <a:t> 5W.</a:t>
             </a:r>
             <a:fld id="{5653AFC6-B420-2E4E-AAAC-D734658728B4}" type="slidenum">
               <a:rPr lang="en-US" smtClean="0"/>
@@ -24516,8 +24647,12 @@
           <a:lstStyle/>
           <a:p>
             <a:r>
+              <a:rPr lang="en-US" dirty="0" err="1" smtClean="0"/>
+              <a:t>lec</a:t>
+            </a:r>
+            <a:r>
               <a:rPr lang="en-US" dirty="0" smtClean="0"/>
-              <a:t>8W.</a:t>
+              <a:t> 5W.</a:t>
             </a:r>
             <a:fld id="{5653AFC6-B420-2E4E-AAAC-D734658728B4}" type="slidenum">
               <a:rPr lang="en-US" smtClean="0"/>
@@ -24970,8 +25105,12 @@
           <a:lstStyle/>
           <a:p>
             <a:r>
+              <a:rPr lang="en-US" dirty="0" err="1" smtClean="0"/>
+              <a:t>lec</a:t>
+            </a:r>
+            <a:r>
               <a:rPr lang="en-US" dirty="0" smtClean="0"/>
-              <a:t>8W.</a:t>
+              <a:t> 5W.</a:t>
             </a:r>
             <a:fld id="{5653AFC6-B420-2E4E-AAAC-D734658728B4}" type="slidenum">
               <a:rPr lang="en-US" smtClean="0"/>
@@ -25200,8 +25339,12 @@
           <a:lstStyle/>
           <a:p>
             <a:r>
+              <a:rPr lang="en-US" dirty="0" err="1" smtClean="0"/>
+              <a:t>lec</a:t>
+            </a:r>
+            <a:r>
               <a:rPr lang="en-US" dirty="0" smtClean="0"/>
-              <a:t>8W.</a:t>
+              <a:t> 5W.</a:t>
             </a:r>
             <a:fld id="{5653AFC6-B420-2E4E-AAAC-D734658728B4}" type="slidenum">
               <a:rPr lang="en-US" smtClean="0"/>
@@ -25987,8 +26130,12 @@
           <a:lstStyle/>
           <a:p>
             <a:r>
+              <a:rPr lang="en-US" dirty="0" err="1" smtClean="0"/>
+              <a:t>lec</a:t>
+            </a:r>
+            <a:r>
               <a:rPr lang="en-US" dirty="0" smtClean="0"/>
-              <a:t>8W.</a:t>
+              <a:t> 5W.</a:t>
             </a:r>
             <a:fld id="{5653AFC6-B420-2E4E-AAAC-D734658728B4}" type="slidenum">
               <a:rPr lang="en-US" smtClean="0"/>
@@ -27092,8 +27239,12 @@
           <a:lstStyle/>
           <a:p>
             <a:r>
+              <a:rPr lang="en-US" dirty="0" err="1" smtClean="0"/>
+              <a:t>lec</a:t>
+            </a:r>
+            <a:r>
               <a:rPr lang="en-US" dirty="0" smtClean="0"/>
-              <a:t>8W.</a:t>
+              <a:t> 5W.</a:t>
             </a:r>
             <a:fld id="{5653AFC6-B420-2E4E-AAAC-D734658728B4}" type="slidenum">
               <a:rPr lang="en-US" smtClean="0"/>
@@ -28492,8 +28643,12 @@
           <a:lstStyle/>
           <a:p>
             <a:r>
+              <a:rPr lang="en-US" dirty="0" err="1" smtClean="0"/>
+              <a:t>lec</a:t>
+            </a:r>
+            <a:r>
               <a:rPr lang="en-US" dirty="0" smtClean="0"/>
-              <a:t>8W.</a:t>
+              <a:t> 5W.</a:t>
             </a:r>
             <a:fld id="{5653AFC6-B420-2E4E-AAAC-D734658728B4}" type="slidenum">
               <a:rPr lang="en-US" smtClean="0"/>
@@ -29436,8 +29591,12 @@
           <a:lstStyle/>
           <a:p>
             <a:r>
+              <a:rPr lang="en-US" dirty="0" err="1" smtClean="0"/>
+              <a:t>lec</a:t>
+            </a:r>
+            <a:r>
               <a:rPr lang="en-US" dirty="0" smtClean="0"/>
-              <a:t>8W.</a:t>
+              <a:t> 5W.</a:t>
             </a:r>
             <a:fld id="{5653AFC6-B420-2E4E-AAAC-D734658728B4}" type="slidenum">
               <a:rPr lang="en-US" smtClean="0"/>
@@ -30199,8 +30358,12 @@
           <a:lstStyle/>
           <a:p>
             <a:r>
+              <a:rPr lang="en-US" dirty="0" err="1" smtClean="0"/>
+              <a:t>lec</a:t>
+            </a:r>
+            <a:r>
               <a:rPr lang="en-US" dirty="0" smtClean="0"/>
-              <a:t>8W.</a:t>
+              <a:t> 5W.</a:t>
             </a:r>
             <a:fld id="{5653AFC6-B420-2E4E-AAAC-D734658728B4}" type="slidenum">
               <a:rPr lang="en-US" smtClean="0"/>
@@ -31115,8 +31278,12 @@
           <a:lstStyle/>
           <a:p>
             <a:r>
+              <a:rPr lang="en-US" dirty="0" err="1" smtClean="0"/>
+              <a:t>lec</a:t>
+            </a:r>
+            <a:r>
               <a:rPr lang="en-US" dirty="0" smtClean="0"/>
-              <a:t>8W.</a:t>
+              <a:t> 5W.</a:t>
             </a:r>
             <a:fld id="{5653AFC6-B420-2E4E-AAAC-D734658728B4}" type="slidenum">
               <a:rPr lang="en-US" smtClean="0"/>
@@ -31616,8 +31783,12 @@
           <a:lstStyle/>
           <a:p>
             <a:r>
+              <a:rPr lang="en-US" dirty="0" err="1" smtClean="0"/>
+              <a:t>lec</a:t>
+            </a:r>
+            <a:r>
               <a:rPr lang="en-US" dirty="0" smtClean="0"/>
-              <a:t>8W.</a:t>
+              <a:t> 5W.</a:t>
             </a:r>
             <a:fld id="{5653AFC6-B420-2E4E-AAAC-D734658728B4}" type="slidenum">
               <a:rPr lang="en-US" smtClean="0"/>
@@ -32143,8 +32314,12 @@
           <a:lstStyle/>
           <a:p>
             <a:r>
+              <a:rPr lang="en-US" dirty="0" err="1" smtClean="0"/>
+              <a:t>lec</a:t>
+            </a:r>
+            <a:r>
               <a:rPr lang="en-US" dirty="0" smtClean="0"/>
-              <a:t>8W.</a:t>
+              <a:t> 5W.</a:t>
             </a:r>
             <a:fld id="{5653AFC6-B420-2E4E-AAAC-D734658728B4}" type="slidenum">
               <a:rPr lang="en-US" smtClean="0"/>
@@ -32603,8 +32778,12 @@
           <a:lstStyle/>
           <a:p>
             <a:r>
+              <a:rPr lang="en-US" dirty="0" err="1" smtClean="0"/>
+              <a:t>lec</a:t>
+            </a:r>
+            <a:r>
               <a:rPr lang="en-US" dirty="0" smtClean="0"/>
-              <a:t>8W.</a:t>
+              <a:t> 5W.</a:t>
             </a:r>
             <a:fld id="{5653AFC6-B420-2E4E-AAAC-D734658728B4}" type="slidenum">
               <a:rPr lang="en-US" smtClean="0"/>
@@ -32974,8 +33153,12 @@
           <a:lstStyle/>
           <a:p>
             <a:r>
+              <a:rPr lang="en-US" dirty="0" err="1" smtClean="0"/>
+              <a:t>lec</a:t>
+            </a:r>
+            <a:r>
               <a:rPr lang="en-US" dirty="0" smtClean="0"/>
-              <a:t>8W.</a:t>
+              <a:t> 5W.</a:t>
             </a:r>
             <a:fld id="{5653AFC6-B420-2E4E-AAAC-D734658728B4}" type="slidenum">
               <a:rPr lang="en-US" smtClean="0"/>
@@ -33647,8 +33830,12 @@
           <a:lstStyle/>
           <a:p>
             <a:r>
+              <a:rPr lang="en-US" dirty="0" err="1" smtClean="0"/>
+              <a:t>lec</a:t>
+            </a:r>
+            <a:r>
               <a:rPr lang="en-US" dirty="0" smtClean="0"/>
-              <a:t>8W.</a:t>
+              <a:t> 5W.</a:t>
             </a:r>
             <a:fld id="{5653AFC6-B420-2E4E-AAAC-D734658728B4}" type="slidenum">
               <a:rPr lang="en-US" smtClean="0"/>
@@ -34213,8 +34400,12 @@
           <a:lstStyle/>
           <a:p>
             <a:r>
+              <a:rPr lang="en-US" dirty="0" err="1" smtClean="0"/>
+              <a:t>lec</a:t>
+            </a:r>
+            <a:r>
               <a:rPr lang="en-US" dirty="0" smtClean="0"/>
-              <a:t>8W.</a:t>
+              <a:t> 5W.</a:t>
             </a:r>
             <a:fld id="{5653AFC6-B420-2E4E-AAAC-D734658728B4}" type="slidenum">
               <a:rPr lang="en-US" smtClean="0"/>
@@ -34846,8 +35037,12 @@
           <a:lstStyle/>
           <a:p>
             <a:r>
+              <a:rPr lang="en-US" dirty="0" err="1" smtClean="0"/>
+              <a:t>lec</a:t>
+            </a:r>
+            <a:r>
               <a:rPr lang="en-US" dirty="0" smtClean="0"/>
-              <a:t>8W.</a:t>
+              <a:t> 5W.</a:t>
             </a:r>
             <a:fld id="{5653AFC6-B420-2E4E-AAAC-D734658728B4}" type="slidenum">
               <a:rPr lang="en-US" smtClean="0"/>
@@ -35585,8 +35780,12 @@
           <a:lstStyle/>
           <a:p>
             <a:r>
+              <a:rPr lang="en-US" dirty="0" err="1" smtClean="0"/>
+              <a:t>lec</a:t>
+            </a:r>
+            <a:r>
               <a:rPr lang="en-US" dirty="0" smtClean="0"/>
-              <a:t>8W.</a:t>
+              <a:t> 5W.</a:t>
             </a:r>
             <a:fld id="{5653AFC6-B420-2E4E-AAAC-D734658728B4}" type="slidenum">
               <a:rPr lang="en-US" smtClean="0"/>

--- a/spring11/slides11/slides5w.pptx
+++ b/spring11/slides11/slides5w.pptx
@@ -6408,11 +6408,7 @@
             </a:r>
             <a:r>
               <a:rPr lang="en-US" dirty="0" smtClean="0"/>
-              <a:t> 5W</a:t>
-            </a:r>
-            <a:r>
-              <a:rPr lang="en-US" dirty="0" smtClean="0"/>
-              <a:t>.</a:t>
+              <a:t> 5W.</a:t>
             </a:r>
             <a:fld id="{5653AFC6-B420-2E4E-AAAC-D734658728B4}" type="slidenum">
               <a:rPr lang="en-US" smtClean="0"/>
@@ -6516,11 +6512,7 @@
             </a:r>
             <a:r>
               <a:rPr lang="en-US" dirty="0" smtClean="0"/>
-              <a:t> 5W</a:t>
-            </a:r>
-            <a:r>
-              <a:rPr lang="en-US" dirty="0" smtClean="0"/>
-              <a:t>.</a:t>
+              <a:t> 5W.</a:t>
             </a:r>
             <a:fld id="{5653AFC6-B420-2E4E-AAAC-D734658728B4}" type="slidenum">
               <a:rPr lang="en-US" smtClean="0"/>
@@ -6593,11 +6585,7 @@
             </a:r>
             <a:r>
               <a:rPr lang="en-US" dirty="0" smtClean="0"/>
-              <a:t> 5W</a:t>
-            </a:r>
-            <a:r>
-              <a:rPr lang="en-US" dirty="0" smtClean="0"/>
-              <a:t>.</a:t>
+              <a:t> 5W.</a:t>
             </a:r>
             <a:fld id="{5653AFC6-B420-2E4E-AAAC-D734658728B4}" type="slidenum">
               <a:rPr lang="en-US" smtClean="0"/>
@@ -6830,22 +6818,7 @@
                 <a:uFillTx/>
                 <a:latin typeface="Comic Sans MS" pitchFamily="66" charset="0"/>
               </a:rPr>
-              <a:t>Albert R Meyer,        March</a:t>
-            </a:r>
-            <a:r>
-              <a:rPr kumimoji="0" lang="en-US" sz="1200" b="0" i="0" u="none" strike="noStrike" kern="1200" cap="none" spc="0" normalizeH="0" baseline="0" noProof="0" dirty="0" smtClean="0">
-                <a:ln>
-                  <a:noFill/>
-                </a:ln>
-                <a:solidFill>
-                  <a:schemeClr val="tx1"/>
-                </a:solidFill>
-                <a:effectLst/>
-                <a:uLnTx/>
-                <a:uFillTx/>
-                <a:latin typeface="Comic Sans MS" pitchFamily="66" charset="0"/>
-              </a:rPr>
-              <a:t> 2, 2011</a:t>
+              <a:t>Albert R Meyer,        March 2, 2011</a:t>
             </a:r>
             <a:endParaRPr kumimoji="0" lang="en-US" sz="1200" b="0" i="0" u="none" strike="noStrike" kern="1200" cap="none" spc="0" normalizeH="0" baseline="0" noProof="0" dirty="0">
               <a:ln>
@@ -6923,11 +6896,7 @@
             </a:r>
             <a:r>
               <a:rPr lang="en-US" dirty="0" smtClean="0"/>
-              <a:t> 5W</a:t>
-            </a:r>
-            <a:r>
-              <a:rPr lang="en-US" dirty="0" smtClean="0"/>
-              <a:t>.</a:t>
+              <a:t> 5W.</a:t>
             </a:r>
             <a:fld id="{5653AFC6-B420-2E4E-AAAC-D734658728B4}" type="slidenum">
               <a:rPr lang="en-US" smtClean="0"/>
@@ -17703,6 +17672,43 @@
           </a:p>
         </p:txBody>
       </p:sp>
+      <p:sp useBgFill="1">
+        <p:nvSpPr>
+          <p:cNvPr id="7" name="TextBox 6"/>
+          <p:cNvSpPr txBox="1"/>
+          <p:nvPr/>
+        </p:nvSpPr>
+        <p:spPr>
+          <a:xfrm>
+            <a:off x="3276600" y="5029200"/>
+            <a:ext cx="2590800" cy="923330"/>
+          </a:xfrm>
+          <a:prstGeom prst="rect">
+            <a:avLst/>
+          </a:prstGeom>
+        </p:spPr>
+        <p:txBody>
+          <a:bodyPr wrap="square" rtlCol="0">
+            <a:spAutoFit/>
+          </a:bodyPr>
+          <a:lstStyle/>
+          <a:p>
+            <a:r>
+              <a:rPr lang="en-US" sz="5400" dirty="0" smtClean="0">
+                <a:solidFill>
+                  <a:srgbClr val="FF00FF"/>
+                </a:solidFill>
+              </a:rPr>
+              <a:t>  [0,n)  </a:t>
+            </a:r>
+            <a:endParaRPr lang="en-US" sz="5400" dirty="0">
+              <a:solidFill>
+                <a:srgbClr val="FF00FF"/>
+              </a:solidFill>
+            </a:endParaRPr>
+          </a:p>
+        </p:txBody>
+      </p:sp>
     </p:spTree>
   </p:cSld>
   <p:clrMapOvr>
@@ -17848,6 +17854,59 @@
                       </p:childTnLst>
                     </p:cTn>
                   </p:par>
+                  <p:par>
+                    <p:cTn id="13" fill="hold">
+                      <p:stCondLst>
+                        <p:cond delay="indefinite"/>
+                      </p:stCondLst>
+                      <p:childTnLst>
+                        <p:par>
+                          <p:cTn id="14" fill="hold">
+                            <p:stCondLst>
+                              <p:cond delay="0"/>
+                            </p:stCondLst>
+                            <p:childTnLst>
+                              <p:par>
+                                <p:cTn id="15" presetID="10" presetClass="entr" presetSubtype="0" fill="hold" grpId="0" nodeType="clickEffect">
+                                  <p:stCondLst>
+                                    <p:cond delay="0"/>
+                                  </p:stCondLst>
+                                  <p:childTnLst>
+                                    <p:set>
+                                      <p:cBhvr>
+                                        <p:cTn id="16" dur="1" fill="hold">
+                                          <p:stCondLst>
+                                            <p:cond delay="0"/>
+                                          </p:stCondLst>
+                                        </p:cTn>
+                                        <p:tgtEl>
+                                          <p:spTgt spid="7"/>
+                                        </p:tgtEl>
+                                        <p:attrNameLst>
+                                          <p:attrName>style.visibility</p:attrName>
+                                        </p:attrNameLst>
+                                      </p:cBhvr>
+                                      <p:to>
+                                        <p:strVal val="visible"/>
+                                      </p:to>
+                                    </p:set>
+                                    <p:animEffect transition="in" filter="fade">
+                                      <p:cBhvr>
+                                        <p:cTn id="17" dur="1000"/>
+                                        <p:tgtEl>
+                                          <p:spTgt spid="7"/>
+                                        </p:tgtEl>
+                                      </p:cBhvr>
+                                    </p:animEffect>
+                                  </p:childTnLst>
+                                </p:cTn>
+                              </p:par>
+                            </p:childTnLst>
+                          </p:cTn>
+                        </p:par>
+                      </p:childTnLst>
+                    </p:cTn>
+                  </p:par>
                 </p:childTnLst>
               </p:cTn>
               <p:prevCondLst>
@@ -17869,6 +17928,9 @@
         </p:cTn>
       </p:par>
     </p:tnLst>
+    <p:bldLst>
+      <p:bldP spid="7" grpId="0" animBg="1"/>
+    </p:bldLst>
   </p:timing>
 </p:sld>
 </file>
